--- a/JFM/figs/integralFormulation.pptx
+++ b/JFM/figs/integralFormulation.pptx
@@ -104,6 +104,11 @@
       </a:defRPr>
     </a:lvl9pPr>
   </p:defaultTextStyle>
+  <p:extLst>
+    <p:ext uri="{EFAFB233-063F-42B5-8137-9DF3F51BA10A}">
+      <p15:sldGuideLst xmlns:p15="http://schemas.microsoft.com/office/powerpoint/2012/main"/>
+    </p:ext>
+  </p:extLst>
 </p:presentation>
 </file>
 
@@ -238,7 +243,7 @@
           <a:p>
             <a:fld id="{DBC2C00E-8F1D-44CA-9027-A3BC0F47D5E4}" type="datetimeFigureOut">
               <a:rPr lang="en-US" smtClean="0"/>
-              <a:t>11/16/2021</a:t>
+              <a:t>12/20/2021</a:t>
             </a:fld>
             <a:endParaRPr lang="en-US"/>
           </a:p>
@@ -408,7 +413,7 @@
           <a:p>
             <a:fld id="{DBC2C00E-8F1D-44CA-9027-A3BC0F47D5E4}" type="datetimeFigureOut">
               <a:rPr lang="en-US" smtClean="0"/>
-              <a:t>11/16/2021</a:t>
+              <a:t>12/20/2021</a:t>
             </a:fld>
             <a:endParaRPr lang="en-US"/>
           </a:p>
@@ -588,7 +593,7 @@
           <a:p>
             <a:fld id="{DBC2C00E-8F1D-44CA-9027-A3BC0F47D5E4}" type="datetimeFigureOut">
               <a:rPr lang="en-US" smtClean="0"/>
-              <a:t>11/16/2021</a:t>
+              <a:t>12/20/2021</a:t>
             </a:fld>
             <a:endParaRPr lang="en-US"/>
           </a:p>
@@ -758,7 +763,7 @@
           <a:p>
             <a:fld id="{DBC2C00E-8F1D-44CA-9027-A3BC0F47D5E4}" type="datetimeFigureOut">
               <a:rPr lang="en-US" smtClean="0"/>
-              <a:t>11/16/2021</a:t>
+              <a:t>12/20/2021</a:t>
             </a:fld>
             <a:endParaRPr lang="en-US"/>
           </a:p>
@@ -1002,7 +1007,7 @@
           <a:p>
             <a:fld id="{DBC2C00E-8F1D-44CA-9027-A3BC0F47D5E4}" type="datetimeFigureOut">
               <a:rPr lang="en-US" smtClean="0"/>
-              <a:t>11/16/2021</a:t>
+              <a:t>12/20/2021</a:t>
             </a:fld>
             <a:endParaRPr lang="en-US"/>
           </a:p>
@@ -1234,7 +1239,7 @@
           <a:p>
             <a:fld id="{DBC2C00E-8F1D-44CA-9027-A3BC0F47D5E4}" type="datetimeFigureOut">
               <a:rPr lang="en-US" smtClean="0"/>
-              <a:t>11/16/2021</a:t>
+              <a:t>12/20/2021</a:t>
             </a:fld>
             <a:endParaRPr lang="en-US"/>
           </a:p>
@@ -1601,7 +1606,7 @@
           <a:p>
             <a:fld id="{DBC2C00E-8F1D-44CA-9027-A3BC0F47D5E4}" type="datetimeFigureOut">
               <a:rPr lang="en-US" smtClean="0"/>
-              <a:t>11/16/2021</a:t>
+              <a:t>12/20/2021</a:t>
             </a:fld>
             <a:endParaRPr lang="en-US"/>
           </a:p>
@@ -1719,7 +1724,7 @@
           <a:p>
             <a:fld id="{DBC2C00E-8F1D-44CA-9027-A3BC0F47D5E4}" type="datetimeFigureOut">
               <a:rPr lang="en-US" smtClean="0"/>
-              <a:t>11/16/2021</a:t>
+              <a:t>12/20/2021</a:t>
             </a:fld>
             <a:endParaRPr lang="en-US"/>
           </a:p>
@@ -1814,7 +1819,7 @@
           <a:p>
             <a:fld id="{DBC2C00E-8F1D-44CA-9027-A3BC0F47D5E4}" type="datetimeFigureOut">
               <a:rPr lang="en-US" smtClean="0"/>
-              <a:t>11/16/2021</a:t>
+              <a:t>12/20/2021</a:t>
             </a:fld>
             <a:endParaRPr lang="en-US"/>
           </a:p>
@@ -2091,7 +2096,7 @@
           <a:p>
             <a:fld id="{DBC2C00E-8F1D-44CA-9027-A3BC0F47D5E4}" type="datetimeFigureOut">
               <a:rPr lang="en-US" smtClean="0"/>
-              <a:t>11/16/2021</a:t>
+              <a:t>12/20/2021</a:t>
             </a:fld>
             <a:endParaRPr lang="en-US"/>
           </a:p>
@@ -2348,7 +2353,7 @@
           <a:p>
             <a:fld id="{DBC2C00E-8F1D-44CA-9027-A3BC0F47D5E4}" type="datetimeFigureOut">
               <a:rPr lang="en-US" smtClean="0"/>
-              <a:t>11/16/2021</a:t>
+              <a:t>12/20/2021</a:t>
             </a:fld>
             <a:endParaRPr lang="en-US"/>
           </a:p>
@@ -2561,7 +2566,7 @@
           <a:p>
             <a:fld id="{DBC2C00E-8F1D-44CA-9027-A3BC0F47D5E4}" type="datetimeFigureOut">
               <a:rPr lang="en-US" smtClean="0"/>
-              <a:t>11/16/2021</a:t>
+              <a:t>12/20/2021</a:t>
             </a:fld>
             <a:endParaRPr lang="en-US"/>
           </a:p>
@@ -3035,426 +3040,7 @@
             <p:spPr>
               <a:xfrm>
                 <a:off x="253846" y="4502061"/>
-                <a:ext cx="1380695" cy="831446"/>
-              </a:xfrm>
-              <a:prstGeom prst="rect">
-                <a:avLst/>
-              </a:prstGeom>
-              <a:noFill/>
-            </p:spPr>
-            <p:txBody>
-              <a:bodyPr wrap="square" rtlCol="0">
-                <a:spAutoFit/>
-              </a:bodyPr>
-              <a:lstStyle/>
-              <a:p>
-                <a:pPr/>
-                <a14:m>
-                  <m:oMathPara xmlns:m="http://schemas.openxmlformats.org/officeDocument/2006/math">
-                    <m:oMathParaPr>
-                      <m:jc m:val="centerGroup"/>
-                    </m:oMathParaPr>
-                    <m:oMath xmlns:m="http://schemas.openxmlformats.org/officeDocument/2006/math">
-                      <m:sSub>
-                        <m:sSubPr>
-                          <m:ctrlPr>
-                            <a:rPr lang="en-US" sz="4400" i="1">
-                              <a:solidFill>
-                                <a:srgbClr val="0000FF"/>
-                              </a:solidFill>
-                              <a:latin typeface="Cambria Math" panose="02040503050406030204" pitchFamily="18" charset="0"/>
-                            </a:rPr>
-                          </m:ctrlPr>
-                        </m:sSubPr>
-                        <m:e>
-                          <m:r>
-                            <a:rPr lang="en-US" sz="4400" b="1" i="1">
-                              <a:solidFill>
-                                <a:srgbClr val="0000FF"/>
-                              </a:solidFill>
-                              <a:latin typeface="Cambria Math" panose="02040503050406030204" pitchFamily="18" charset="0"/>
-                            </a:rPr>
-                            <m:t>𝑿</m:t>
-                          </m:r>
-                        </m:e>
-                        <m:sub>
-                          <m:sSub>
-                            <m:sSubPr>
-                              <m:ctrlPr>
-                                <a:rPr lang="en-US" sz="4400" i="1">
-                                  <a:solidFill>
-                                    <a:srgbClr val="0000FF"/>
-                                  </a:solidFill>
-                                  <a:latin typeface="Cambria Math" panose="02040503050406030204" pitchFamily="18" charset="0"/>
-                                </a:rPr>
-                              </m:ctrlPr>
-                            </m:sSubPr>
-                            <m:e>
-                              <m:r>
-                                <a:rPr lang="en-US" sz="4400" i="1">
-                                  <a:solidFill>
-                                    <a:srgbClr val="0000FF"/>
-                                  </a:solidFill>
-                                  <a:latin typeface="Cambria Math" panose="02040503050406030204" pitchFamily="18" charset="0"/>
-                                </a:rPr>
-                                <m:t>ℓ</m:t>
-                              </m:r>
-                            </m:e>
-                            <m:sub>
-                              <m:r>
-                                <a:rPr lang="en-US" sz="4400" i="1">
-                                  <a:solidFill>
-                                    <a:srgbClr val="0000FF"/>
-                                  </a:solidFill>
-                                  <a:latin typeface="Cambria Math" panose="02040503050406030204" pitchFamily="18" charset="0"/>
-                                </a:rPr>
-                                <m:t>0</m:t>
-                              </m:r>
-                            </m:sub>
-                          </m:sSub>
-                          <m:r>
-                            <a:rPr lang="en-US" sz="4400" i="1">
-                              <a:solidFill>
-                                <a:srgbClr val="0000FF"/>
-                              </a:solidFill>
-                              <a:latin typeface="Cambria Math" panose="02040503050406030204" pitchFamily="18" charset="0"/>
-                            </a:rPr>
-                            <m:t>−1</m:t>
-                          </m:r>
-                        </m:sub>
-                      </m:sSub>
-                    </m:oMath>
-                  </m:oMathPara>
-                </a14:m>
-                <a:endParaRPr lang="en-US" sz="4400" dirty="0">
-                  <a:solidFill>
-                    <a:srgbClr val="0000FF"/>
-                  </a:solidFill>
-                </a:endParaRPr>
-              </a:p>
-            </p:txBody>
-          </p:sp>
-        </mc:Choice>
-        <mc:Fallback>
-          <p:sp>
-            <p:nvSpPr>
-              <p:cNvPr id="5" name="TextBox 4">
-                <a:extLst>
-                  <a:ext uri="{FF2B5EF4-FFF2-40B4-BE49-F238E27FC236}">
-                    <a16:creationId xmlns:a16="http://schemas.microsoft.com/office/drawing/2014/main" id="{DFE61F33-B575-46D5-946B-F4938904DF0C}"/>
-                  </a:ext>
-                </a:extLst>
-              </p:cNvPr>
-              <p:cNvSpPr txBox="1">
-                <a:spLocks noRot="1" noChangeAspect="1" noMove="1" noResize="1" noEditPoints="1" noAdjustHandles="1" noChangeArrowheads="1" noChangeShapeType="1" noTextEdit="1"/>
-              </p:cNvSpPr>
-              <p:nvPr/>
-            </p:nvSpPr>
-            <p:spPr>
-              <a:xfrm>
-                <a:off x="253846" y="4502061"/>
-                <a:ext cx="1380695" cy="831446"/>
-              </a:xfrm>
-              <a:prstGeom prst="rect">
-                <a:avLst/>
-              </a:prstGeom>
-              <a:blipFill>
-                <a:blip r:embed="rId2"/>
-                <a:stretch>
-                  <a:fillRect r="-2655"/>
-                </a:stretch>
-              </a:blipFill>
-            </p:spPr>
-            <p:txBody>
-              <a:bodyPr/>
-              <a:lstStyle/>
-              <a:p>
-                <a:r>
-                  <a:rPr lang="en-US">
-                    <a:noFill/>
-                  </a:rPr>
-                  <a:t> </a:t>
-                </a:r>
-              </a:p>
-            </p:txBody>
-          </p:sp>
-        </mc:Fallback>
-      </mc:AlternateContent>
-      <p:sp>
-        <p:nvSpPr>
-          <p:cNvPr id="6" name="Oval 5">
-            <a:extLst>
-              <a:ext uri="{FF2B5EF4-FFF2-40B4-BE49-F238E27FC236}">
-                <a16:creationId xmlns:a16="http://schemas.microsoft.com/office/drawing/2014/main" id="{C0470165-FD9D-4949-8C08-1278BAFC33C7}"/>
-              </a:ext>
-            </a:extLst>
-          </p:cNvPr>
-          <p:cNvSpPr/>
-          <p:nvPr/>
-        </p:nvSpPr>
-        <p:spPr>
-          <a:xfrm>
-            <a:off x="6280973" y="4357412"/>
-            <a:ext cx="636896" cy="636896"/>
-          </a:xfrm>
-          <a:prstGeom prst="ellipse">
-            <a:avLst/>
-          </a:prstGeom>
-          <a:noFill/>
-          <a:ln w="76200">
-            <a:solidFill>
-              <a:srgbClr val="0000FF"/>
-            </a:solidFill>
-          </a:ln>
-        </p:spPr>
-        <p:style>
-          <a:lnRef idx="2">
-            <a:schemeClr val="accent1">
-              <a:shade val="50000"/>
-            </a:schemeClr>
-          </a:lnRef>
-          <a:fillRef idx="1">
-            <a:schemeClr val="accent1"/>
-          </a:fillRef>
-          <a:effectRef idx="0">
-            <a:schemeClr val="accent1"/>
-          </a:effectRef>
-          <a:fontRef idx="minor">
-            <a:schemeClr val="lt1"/>
-          </a:fontRef>
-        </p:style>
-        <p:txBody>
-          <a:bodyPr rtlCol="0" anchor="ctr"/>
-          <a:lstStyle/>
-          <a:p>
-            <a:pPr algn="ctr"/>
-            <a:endParaRPr lang="en-US" sz="1600"/>
-          </a:p>
-        </p:txBody>
-      </p:sp>
-      <mc:AlternateContent xmlns:mc="http://schemas.openxmlformats.org/markup-compatibility/2006">
-        <mc:Choice xmlns:a14="http://schemas.microsoft.com/office/drawing/2010/main" Requires="a14">
-          <p:sp>
-            <p:nvSpPr>
-              <p:cNvPr id="7" name="TextBox 6">
-                <a:extLst>
-                  <a:ext uri="{FF2B5EF4-FFF2-40B4-BE49-F238E27FC236}">
-                    <a16:creationId xmlns:a16="http://schemas.microsoft.com/office/drawing/2014/main" id="{12C9902C-27C0-4B8C-88BE-FA31E4B8B7CF}"/>
-                  </a:ext>
-                </a:extLst>
-              </p:cNvPr>
-              <p:cNvSpPr txBox="1"/>
-              <p:nvPr/>
-            </p:nvSpPr>
-            <p:spPr>
-              <a:xfrm>
-                <a:off x="6454701" y="4917784"/>
-                <a:ext cx="1380695" cy="831446"/>
-              </a:xfrm>
-              <a:prstGeom prst="rect">
-                <a:avLst/>
-              </a:prstGeom>
-              <a:noFill/>
-            </p:spPr>
-            <p:txBody>
-              <a:bodyPr wrap="square" rtlCol="0">
-                <a:spAutoFit/>
-              </a:bodyPr>
-              <a:lstStyle/>
-              <a:p>
-                <a:pPr/>
-                <a14:m>
-                  <m:oMathPara xmlns:m="http://schemas.openxmlformats.org/officeDocument/2006/math">
-                    <m:oMathParaPr>
-                      <m:jc m:val="centerGroup"/>
-                    </m:oMathParaPr>
-                    <m:oMath xmlns:m="http://schemas.openxmlformats.org/officeDocument/2006/math">
-                      <m:sSub>
-                        <m:sSubPr>
-                          <m:ctrlPr>
-                            <a:rPr lang="en-US" sz="4400" i="1">
-                              <a:solidFill>
-                                <a:srgbClr val="0000FF"/>
-                              </a:solidFill>
-                              <a:latin typeface="Cambria Math" panose="02040503050406030204" pitchFamily="18" charset="0"/>
-                            </a:rPr>
-                          </m:ctrlPr>
-                        </m:sSubPr>
-                        <m:e>
-                          <m:r>
-                            <a:rPr lang="en-US" sz="4400" b="1" i="1">
-                              <a:solidFill>
-                                <a:srgbClr val="0000FF"/>
-                              </a:solidFill>
-                              <a:latin typeface="Cambria Math" panose="02040503050406030204" pitchFamily="18" charset="0"/>
-                            </a:rPr>
-                            <m:t>𝑿</m:t>
-                          </m:r>
-                        </m:e>
-                        <m:sub>
-                          <m:sSub>
-                            <m:sSubPr>
-                              <m:ctrlPr>
-                                <a:rPr lang="en-US" sz="4400" i="1">
-                                  <a:solidFill>
-                                    <a:srgbClr val="0000FF"/>
-                                  </a:solidFill>
-                                  <a:latin typeface="Cambria Math" panose="02040503050406030204" pitchFamily="18" charset="0"/>
-                                </a:rPr>
-                              </m:ctrlPr>
-                            </m:sSubPr>
-                            <m:e>
-                              <m:r>
-                                <a:rPr lang="en-US" sz="4400" i="1">
-                                  <a:solidFill>
-                                    <a:srgbClr val="0000FF"/>
-                                  </a:solidFill>
-                                  <a:latin typeface="Cambria Math" panose="02040503050406030204" pitchFamily="18" charset="0"/>
-                                </a:rPr>
-                                <m:t>ℓ</m:t>
-                              </m:r>
-                            </m:e>
-                            <m:sub>
-                              <m:r>
-                                <a:rPr lang="en-US" sz="4400" i="1">
-                                  <a:solidFill>
-                                    <a:srgbClr val="0000FF"/>
-                                  </a:solidFill>
-                                  <a:latin typeface="Cambria Math" panose="02040503050406030204" pitchFamily="18" charset="0"/>
-                                </a:rPr>
-                                <m:t>0</m:t>
-                              </m:r>
-                            </m:sub>
-                          </m:sSub>
-                        </m:sub>
-                      </m:sSub>
-                    </m:oMath>
-                  </m:oMathPara>
-                </a14:m>
-                <a:endParaRPr lang="en-US" sz="4400" dirty="0">
-                  <a:solidFill>
-                    <a:srgbClr val="0000FF"/>
-                  </a:solidFill>
-                </a:endParaRPr>
-              </a:p>
-            </p:txBody>
-          </p:sp>
-        </mc:Choice>
-        <mc:Fallback>
-          <p:sp>
-            <p:nvSpPr>
-              <p:cNvPr id="7" name="TextBox 6">
-                <a:extLst>
-                  <a:ext uri="{FF2B5EF4-FFF2-40B4-BE49-F238E27FC236}">
-                    <a16:creationId xmlns:a16="http://schemas.microsoft.com/office/drawing/2014/main" id="{12C9902C-27C0-4B8C-88BE-FA31E4B8B7CF}"/>
-                  </a:ext>
-                </a:extLst>
-              </p:cNvPr>
-              <p:cNvSpPr txBox="1">
-                <a:spLocks noRot="1" noChangeAspect="1" noMove="1" noResize="1" noEditPoints="1" noAdjustHandles="1" noChangeArrowheads="1" noChangeShapeType="1" noTextEdit="1"/>
-              </p:cNvSpPr>
-              <p:nvPr/>
-            </p:nvSpPr>
-            <p:spPr>
-              <a:xfrm>
-                <a:off x="6454701" y="4917784"/>
-                <a:ext cx="1380695" cy="831446"/>
-              </a:xfrm>
-              <a:prstGeom prst="rect">
-                <a:avLst/>
-              </a:prstGeom>
-              <a:blipFill>
-                <a:blip r:embed="rId3"/>
-                <a:stretch>
-                  <a:fillRect/>
-                </a:stretch>
-              </a:blipFill>
-            </p:spPr>
-            <p:txBody>
-              <a:bodyPr/>
-              <a:lstStyle/>
-              <a:p>
-                <a:r>
-                  <a:rPr lang="en-US">
-                    <a:noFill/>
-                  </a:rPr>
-                  <a:t> </a:t>
-                </a:r>
-              </a:p>
-            </p:txBody>
-          </p:sp>
-        </mc:Fallback>
-      </mc:AlternateContent>
-      <p:sp>
-        <p:nvSpPr>
-          <p:cNvPr id="8" name="Oval 7">
-            <a:extLst>
-              <a:ext uri="{FF2B5EF4-FFF2-40B4-BE49-F238E27FC236}">
-                <a16:creationId xmlns:a16="http://schemas.microsoft.com/office/drawing/2014/main" id="{36071D93-2247-4C4A-BB4A-98BA1F02F2AC}"/>
-              </a:ext>
-            </a:extLst>
-          </p:cNvPr>
-          <p:cNvSpPr/>
-          <p:nvPr/>
-        </p:nvSpPr>
-        <p:spPr>
-          <a:xfrm>
-            <a:off x="8101048" y="653652"/>
-            <a:ext cx="636896" cy="636896"/>
-          </a:xfrm>
-          <a:prstGeom prst="ellipse">
-            <a:avLst/>
-          </a:prstGeom>
-          <a:noFill/>
-          <a:ln w="76200">
-            <a:solidFill>
-              <a:srgbClr val="0000FF"/>
-            </a:solidFill>
-          </a:ln>
-        </p:spPr>
-        <p:style>
-          <a:lnRef idx="2">
-            <a:schemeClr val="accent1">
-              <a:shade val="50000"/>
-            </a:schemeClr>
-          </a:lnRef>
-          <a:fillRef idx="1">
-            <a:schemeClr val="accent1"/>
-          </a:fillRef>
-          <a:effectRef idx="0">
-            <a:schemeClr val="accent1"/>
-          </a:effectRef>
-          <a:fontRef idx="minor">
-            <a:schemeClr val="lt1"/>
-          </a:fontRef>
-        </p:style>
-        <p:txBody>
-          <a:bodyPr rtlCol="0" anchor="ctr"/>
-          <a:lstStyle/>
-          <a:p>
-            <a:pPr algn="ctr"/>
-            <a:endParaRPr lang="en-US" sz="1600"/>
-          </a:p>
-        </p:txBody>
-      </p:sp>
-      <mc:AlternateContent xmlns:mc="http://schemas.openxmlformats.org/markup-compatibility/2006">
-        <mc:Choice xmlns:a14="http://schemas.microsoft.com/office/drawing/2010/main" Requires="a14">
-          <p:sp>
-            <p:nvSpPr>
-              <p:cNvPr id="9" name="TextBox 8">
-                <a:extLst>
-                  <a:ext uri="{FF2B5EF4-FFF2-40B4-BE49-F238E27FC236}">
-                    <a16:creationId xmlns:a16="http://schemas.microsoft.com/office/drawing/2014/main" id="{0801BF3B-0A10-4028-8D18-6B82393EBB78}"/>
-                  </a:ext>
-                </a:extLst>
-              </p:cNvPr>
-              <p:cNvSpPr txBox="1"/>
-              <p:nvPr/>
-            </p:nvSpPr>
-            <p:spPr>
-              <a:xfrm>
-                <a:off x="6563485" y="83821"/>
-                <a:ext cx="1380695" cy="831446"/>
+                <a:ext cx="1380695" cy="830099"/>
               </a:xfrm>
               <a:prstGeom prst="rect">
                 <a:avLst/>
@@ -3497,40 +3083,384 @@
                           </m:r>
                         </m:e>
                         <m:sub>
-                          <m:sSub>
-                            <m:sSubPr>
-                              <m:ctrlPr>
-                                <a:rPr lang="en-US" sz="4400" i="1">
-                                  <a:solidFill>
-                                    <a:srgbClr val="0000FF"/>
-                                  </a:solidFill>
-                                  <a:latin typeface="Cambria Math" panose="02040503050406030204" pitchFamily="18" charset="0"/>
-                                </a:rPr>
-                              </m:ctrlPr>
-                            </m:sSubPr>
-                            <m:e>
-                              <m:r>
-                                <a:rPr lang="en-US" sz="4400" i="1">
-                                  <a:solidFill>
-                                    <a:srgbClr val="0000FF"/>
-                                  </a:solidFill>
-                                  <a:latin typeface="Cambria Math" panose="02040503050406030204" pitchFamily="18" charset="0"/>
-                                </a:rPr>
-                                <m:t>ℓ</m:t>
-                              </m:r>
-                            </m:e>
-                            <m:sub>
-                              <m:r>
-                                <a:rPr lang="en-US" sz="4400" i="1">
-                                  <a:solidFill>
-                                    <a:srgbClr val="0000FF"/>
-                                  </a:solidFill>
-                                  <a:latin typeface="Cambria Math" panose="02040503050406030204" pitchFamily="18" charset="0"/>
-                                </a:rPr>
-                                <m:t>0</m:t>
-                              </m:r>
-                            </m:sub>
-                          </m:sSub>
+                          <m:r>
+                            <a:rPr lang="en-US" sz="4400" b="0" i="1" smtClean="0">
+                              <a:solidFill>
+                                <a:srgbClr val="0000FF"/>
+                              </a:solidFill>
+                              <a:latin typeface="Cambria Math" panose="02040503050406030204" pitchFamily="18" charset="0"/>
+                            </a:rPr>
+                            <m:t>2, ℓ</m:t>
+                          </m:r>
+                          <m:r>
+                            <a:rPr lang="en-US" sz="4400" i="1">
+                              <a:solidFill>
+                                <a:srgbClr val="0000FF"/>
+                              </a:solidFill>
+                              <a:latin typeface="Cambria Math" panose="02040503050406030204" pitchFamily="18" charset="0"/>
+                            </a:rPr>
+                            <m:t>−1</m:t>
+                          </m:r>
+                        </m:sub>
+                      </m:sSub>
+                    </m:oMath>
+                  </m:oMathPara>
+                </a14:m>
+                <a:endParaRPr lang="en-US" sz="4400" dirty="0">
+                  <a:solidFill>
+                    <a:srgbClr val="0000FF"/>
+                  </a:solidFill>
+                </a:endParaRPr>
+              </a:p>
+            </p:txBody>
+          </p:sp>
+        </mc:Choice>
+        <mc:Fallback>
+          <p:sp>
+            <p:nvSpPr>
+              <p:cNvPr id="5" name="TextBox 4">
+                <a:extLst>
+                  <a:ext uri="{FF2B5EF4-FFF2-40B4-BE49-F238E27FC236}">
+                    <a16:creationId xmlns:a16="http://schemas.microsoft.com/office/drawing/2014/main" id="{DFE61F33-B575-46D5-946B-F4938904DF0C}"/>
+                  </a:ext>
+                </a:extLst>
+              </p:cNvPr>
+              <p:cNvSpPr txBox="1">
+                <a:spLocks noRot="1" noChangeAspect="1" noMove="1" noResize="1" noEditPoints="1" noAdjustHandles="1" noChangeArrowheads="1" noChangeShapeType="1" noTextEdit="1"/>
+              </p:cNvSpPr>
+              <p:nvPr/>
+            </p:nvSpPr>
+            <p:spPr>
+              <a:xfrm>
+                <a:off x="253846" y="4502061"/>
+                <a:ext cx="1380695" cy="830099"/>
+              </a:xfrm>
+              <a:prstGeom prst="rect">
+                <a:avLst/>
+              </a:prstGeom>
+              <a:blipFill>
+                <a:blip r:embed="rId2"/>
+                <a:stretch>
+                  <a:fillRect r="-10177"/>
+                </a:stretch>
+              </a:blipFill>
+            </p:spPr>
+            <p:txBody>
+              <a:bodyPr/>
+              <a:lstStyle/>
+              <a:p>
+                <a:r>
+                  <a:rPr lang="en-US">
+                    <a:noFill/>
+                  </a:rPr>
+                  <a:t> </a:t>
+                </a:r>
+              </a:p>
+            </p:txBody>
+          </p:sp>
+        </mc:Fallback>
+      </mc:AlternateContent>
+      <p:sp>
+        <p:nvSpPr>
+          <p:cNvPr id="6" name="Oval 5">
+            <a:extLst>
+              <a:ext uri="{FF2B5EF4-FFF2-40B4-BE49-F238E27FC236}">
+                <a16:creationId xmlns:a16="http://schemas.microsoft.com/office/drawing/2014/main" id="{C0470165-FD9D-4949-8C08-1278BAFC33C7}"/>
+              </a:ext>
+            </a:extLst>
+          </p:cNvPr>
+          <p:cNvSpPr/>
+          <p:nvPr/>
+        </p:nvSpPr>
+        <p:spPr>
+          <a:xfrm>
+            <a:off x="6280973" y="4357412"/>
+            <a:ext cx="636896" cy="636896"/>
+          </a:xfrm>
+          <a:prstGeom prst="ellipse">
+            <a:avLst/>
+          </a:prstGeom>
+          <a:noFill/>
+          <a:ln w="76200">
+            <a:solidFill>
+              <a:srgbClr val="0000FF"/>
+            </a:solidFill>
+          </a:ln>
+        </p:spPr>
+        <p:style>
+          <a:lnRef idx="2">
+            <a:schemeClr val="accent1">
+              <a:shade val="50000"/>
+            </a:schemeClr>
+          </a:lnRef>
+          <a:fillRef idx="1">
+            <a:schemeClr val="accent1"/>
+          </a:fillRef>
+          <a:effectRef idx="0">
+            <a:schemeClr val="accent1"/>
+          </a:effectRef>
+          <a:fontRef idx="minor">
+            <a:schemeClr val="lt1"/>
+          </a:fontRef>
+        </p:style>
+        <p:txBody>
+          <a:bodyPr rtlCol="0" anchor="ctr"/>
+          <a:lstStyle/>
+          <a:p>
+            <a:pPr algn="ctr"/>
+            <a:endParaRPr lang="en-US" sz="1600"/>
+          </a:p>
+        </p:txBody>
+      </p:sp>
+      <mc:AlternateContent xmlns:mc="http://schemas.openxmlformats.org/markup-compatibility/2006">
+        <mc:Choice xmlns:a14="http://schemas.microsoft.com/office/drawing/2010/main" Requires="a14">
+          <p:sp>
+            <p:nvSpPr>
+              <p:cNvPr id="7" name="TextBox 6">
+                <a:extLst>
+                  <a:ext uri="{FF2B5EF4-FFF2-40B4-BE49-F238E27FC236}">
+                    <a16:creationId xmlns:a16="http://schemas.microsoft.com/office/drawing/2014/main" id="{12C9902C-27C0-4B8C-88BE-FA31E4B8B7CF}"/>
+                  </a:ext>
+                </a:extLst>
+              </p:cNvPr>
+              <p:cNvSpPr txBox="1"/>
+              <p:nvPr/>
+            </p:nvSpPr>
+            <p:spPr>
+              <a:xfrm>
+                <a:off x="6454701" y="4917784"/>
+                <a:ext cx="1380695" cy="830099"/>
+              </a:xfrm>
+              <a:prstGeom prst="rect">
+                <a:avLst/>
+              </a:prstGeom>
+              <a:noFill/>
+            </p:spPr>
+            <p:txBody>
+              <a:bodyPr wrap="square" rtlCol="0">
+                <a:spAutoFit/>
+              </a:bodyPr>
+              <a:lstStyle/>
+              <a:p>
+                <a:pPr/>
+                <a14:m>
+                  <m:oMathPara xmlns:m="http://schemas.openxmlformats.org/officeDocument/2006/math">
+                    <m:oMathParaPr>
+                      <m:jc m:val="centerGroup"/>
+                    </m:oMathParaPr>
+                    <m:oMath xmlns:m="http://schemas.openxmlformats.org/officeDocument/2006/math">
+                      <m:sSub>
+                        <m:sSubPr>
+                          <m:ctrlPr>
+                            <a:rPr lang="en-US" sz="4400" i="1" smtClean="0">
+                              <a:solidFill>
+                                <a:srgbClr val="0000FF"/>
+                              </a:solidFill>
+                              <a:latin typeface="Cambria Math" panose="02040503050406030204" pitchFamily="18" charset="0"/>
+                            </a:rPr>
+                          </m:ctrlPr>
+                        </m:sSubPr>
+                        <m:e>
+                          <m:r>
+                            <a:rPr lang="en-US" sz="4400" b="1" i="1">
+                              <a:solidFill>
+                                <a:srgbClr val="0000FF"/>
+                              </a:solidFill>
+                              <a:latin typeface="Cambria Math" panose="02040503050406030204" pitchFamily="18" charset="0"/>
+                            </a:rPr>
+                            <m:t>𝑿</m:t>
+                          </m:r>
+                        </m:e>
+                        <m:sub>
+                          <m:r>
+                            <a:rPr lang="en-US" sz="4400" b="0" i="1" smtClean="0">
+                              <a:solidFill>
+                                <a:srgbClr val="0000FF"/>
+                              </a:solidFill>
+                              <a:latin typeface="Cambria Math" panose="02040503050406030204" pitchFamily="18" charset="0"/>
+                            </a:rPr>
+                            <m:t>2, ℓ</m:t>
+                          </m:r>
+                        </m:sub>
+                      </m:sSub>
+                    </m:oMath>
+                  </m:oMathPara>
+                </a14:m>
+                <a:endParaRPr lang="en-US" sz="4400" dirty="0">
+                  <a:solidFill>
+                    <a:srgbClr val="0000FF"/>
+                  </a:solidFill>
+                </a:endParaRPr>
+              </a:p>
+            </p:txBody>
+          </p:sp>
+        </mc:Choice>
+        <mc:Fallback>
+          <p:sp>
+            <p:nvSpPr>
+              <p:cNvPr id="7" name="TextBox 6">
+                <a:extLst>
+                  <a:ext uri="{FF2B5EF4-FFF2-40B4-BE49-F238E27FC236}">
+                    <a16:creationId xmlns:a16="http://schemas.microsoft.com/office/drawing/2014/main" id="{12C9902C-27C0-4B8C-88BE-FA31E4B8B7CF}"/>
+                  </a:ext>
+                </a:extLst>
+              </p:cNvPr>
+              <p:cNvSpPr txBox="1">
+                <a:spLocks noRot="1" noChangeAspect="1" noMove="1" noResize="1" noEditPoints="1" noAdjustHandles="1" noChangeArrowheads="1" noChangeShapeType="1" noTextEdit="1"/>
+              </p:cNvSpPr>
+              <p:nvPr/>
+            </p:nvSpPr>
+            <p:spPr>
+              <a:xfrm>
+                <a:off x="6454701" y="4917784"/>
+                <a:ext cx="1380695" cy="830099"/>
+              </a:xfrm>
+              <a:prstGeom prst="rect">
+                <a:avLst/>
+              </a:prstGeom>
+              <a:blipFill>
+                <a:blip r:embed="rId3"/>
+                <a:stretch>
+                  <a:fillRect/>
+                </a:stretch>
+              </a:blipFill>
+            </p:spPr>
+            <p:txBody>
+              <a:bodyPr/>
+              <a:lstStyle/>
+              <a:p>
+                <a:r>
+                  <a:rPr lang="en-US">
+                    <a:noFill/>
+                  </a:rPr>
+                  <a:t> </a:t>
+                </a:r>
+              </a:p>
+            </p:txBody>
+          </p:sp>
+        </mc:Fallback>
+      </mc:AlternateContent>
+      <p:sp>
+        <p:nvSpPr>
+          <p:cNvPr id="8" name="Oval 7">
+            <a:extLst>
+              <a:ext uri="{FF2B5EF4-FFF2-40B4-BE49-F238E27FC236}">
+                <a16:creationId xmlns:a16="http://schemas.microsoft.com/office/drawing/2014/main" id="{36071D93-2247-4C4A-BB4A-98BA1F02F2AC}"/>
+              </a:ext>
+            </a:extLst>
+          </p:cNvPr>
+          <p:cNvSpPr/>
+          <p:nvPr/>
+        </p:nvSpPr>
+        <p:spPr>
+          <a:xfrm>
+            <a:off x="8101048" y="653652"/>
+            <a:ext cx="636896" cy="636896"/>
+          </a:xfrm>
+          <a:prstGeom prst="ellipse">
+            <a:avLst/>
+          </a:prstGeom>
+          <a:noFill/>
+          <a:ln w="76200">
+            <a:solidFill>
+              <a:srgbClr val="0000FF"/>
+            </a:solidFill>
+          </a:ln>
+        </p:spPr>
+        <p:style>
+          <a:lnRef idx="2">
+            <a:schemeClr val="accent1">
+              <a:shade val="50000"/>
+            </a:schemeClr>
+          </a:lnRef>
+          <a:fillRef idx="1">
+            <a:schemeClr val="accent1"/>
+          </a:fillRef>
+          <a:effectRef idx="0">
+            <a:schemeClr val="accent1"/>
+          </a:effectRef>
+          <a:fontRef idx="minor">
+            <a:schemeClr val="lt1"/>
+          </a:fontRef>
+        </p:style>
+        <p:txBody>
+          <a:bodyPr rtlCol="0" anchor="ctr"/>
+          <a:lstStyle/>
+          <a:p>
+            <a:pPr algn="ctr"/>
+            <a:endParaRPr lang="en-US" sz="1600"/>
+          </a:p>
+        </p:txBody>
+      </p:sp>
+      <mc:AlternateContent xmlns:mc="http://schemas.openxmlformats.org/markup-compatibility/2006">
+        <mc:Choice xmlns:a14="http://schemas.microsoft.com/office/drawing/2010/main" Requires="a14">
+          <p:sp>
+            <p:nvSpPr>
+              <p:cNvPr id="9" name="TextBox 8">
+                <a:extLst>
+                  <a:ext uri="{FF2B5EF4-FFF2-40B4-BE49-F238E27FC236}">
+                    <a16:creationId xmlns:a16="http://schemas.microsoft.com/office/drawing/2014/main" id="{0801BF3B-0A10-4028-8D18-6B82393EBB78}"/>
+                  </a:ext>
+                </a:extLst>
+              </p:cNvPr>
+              <p:cNvSpPr txBox="1"/>
+              <p:nvPr/>
+            </p:nvSpPr>
+            <p:spPr>
+              <a:xfrm>
+                <a:off x="6563485" y="83821"/>
+                <a:ext cx="1380695" cy="799130"/>
+              </a:xfrm>
+              <a:prstGeom prst="rect">
+                <a:avLst/>
+              </a:prstGeom>
+              <a:noFill/>
+            </p:spPr>
+            <p:txBody>
+              <a:bodyPr wrap="square" rtlCol="0">
+                <a:spAutoFit/>
+              </a:bodyPr>
+              <a:lstStyle/>
+              <a:p>
+                <a:pPr/>
+                <a14:m>
+                  <m:oMathPara xmlns:m="http://schemas.openxmlformats.org/officeDocument/2006/math">
+                    <m:oMathParaPr>
+                      <m:jc m:val="centerGroup"/>
+                    </m:oMathParaPr>
+                    <m:oMath xmlns:m="http://schemas.openxmlformats.org/officeDocument/2006/math">
+                      <m:sSub>
+                        <m:sSubPr>
+                          <m:ctrlPr>
+                            <a:rPr lang="en-US" sz="4400" i="1" smtClean="0">
+                              <a:solidFill>
+                                <a:srgbClr val="0000FF"/>
+                              </a:solidFill>
+                              <a:latin typeface="Cambria Math" panose="02040503050406030204" pitchFamily="18" charset="0"/>
+                            </a:rPr>
+                          </m:ctrlPr>
+                        </m:sSubPr>
+                        <m:e>
+                          <m:r>
+                            <a:rPr lang="en-US" sz="4400" b="1" i="1">
+                              <a:solidFill>
+                                <a:srgbClr val="0000FF"/>
+                              </a:solidFill>
+                              <a:latin typeface="Cambria Math" panose="02040503050406030204" pitchFamily="18" charset="0"/>
+                            </a:rPr>
+                            <m:t>𝑿</m:t>
+                          </m:r>
+                        </m:e>
+                        <m:sub>
+                          <m:r>
+                            <a:rPr lang="en-US" sz="4400" b="0" i="1" smtClean="0">
+                              <a:solidFill>
+                                <a:srgbClr val="0000FF"/>
+                              </a:solidFill>
+                              <a:latin typeface="Cambria Math" panose="02040503050406030204" pitchFamily="18" charset="0"/>
+                            </a:rPr>
+                            <m:t>2, ℓ</m:t>
+                          </m:r>
                           <m:r>
                             <a:rPr lang="en-US" sz="4400" b="0" i="1" smtClean="0">
                               <a:solidFill>
@@ -3581,7 +3511,7 @@
             <p:spPr>
               <a:xfrm>
                 <a:off x="6563485" y="83821"/>
-                <a:ext cx="1380695" cy="831446"/>
+                <a:ext cx="1380695" cy="799130"/>
               </a:xfrm>
               <a:prstGeom prst="rect">
                 <a:avLst/>
@@ -3589,7 +3519,7 @@
               <a:blipFill>
                 <a:blip r:embed="rId4"/>
                 <a:stretch>
-                  <a:fillRect r="-2655"/>
+                  <a:fillRect r="-10177"/>
                 </a:stretch>
               </a:blipFill>
             </p:spPr>
@@ -3801,8 +3731,8 @@
           </a:fontRef>
         </p:style>
       </p:cxnSp>
-      <mc:AlternateContent xmlns:mc="http://schemas.openxmlformats.org/markup-compatibility/2006">
-        <mc:Choice xmlns:a14="http://schemas.microsoft.com/office/drawing/2010/main" Requires="a14">
+      <mc:AlternateContent xmlns:mc="http://schemas.openxmlformats.org/markup-compatibility/2006" xmlns:a14="http://schemas.microsoft.com/office/drawing/2010/main">
+        <mc:Choice Requires="a14">
           <p:sp>
             <p:nvSpPr>
               <p:cNvPr id="30" name="TextBox 29">
@@ -3859,7 +3789,7 @@
             </p:txBody>
           </p:sp>
         </mc:Choice>
-        <mc:Fallback>
+        <mc:Fallback xmlns="">
           <p:sp>
             <p:nvSpPr>
               <p:cNvPr id="30" name="TextBox 29">
@@ -4003,8 +3933,8 @@
           </a:fontRef>
         </p:style>
       </p:cxnSp>
-      <mc:AlternateContent xmlns:mc="http://schemas.openxmlformats.org/markup-compatibility/2006">
-        <mc:Choice xmlns:a14="http://schemas.microsoft.com/office/drawing/2010/main" Requires="a14">
+      <mc:AlternateContent xmlns:mc="http://schemas.openxmlformats.org/markup-compatibility/2006" xmlns:a14="http://schemas.microsoft.com/office/drawing/2010/main">
+        <mc:Choice Requires="a14">
           <p:sp>
             <p:nvSpPr>
               <p:cNvPr id="42" name="TextBox 41">
@@ -4061,7 +3991,7 @@
             </p:txBody>
           </p:sp>
         </mc:Choice>
-        <mc:Fallback>
+        <mc:Fallback xmlns="">
           <p:sp>
             <p:nvSpPr>
               <p:cNvPr id="42" name="TextBox 41">
@@ -4106,8 +4036,8 @@
           </p:sp>
         </mc:Fallback>
       </mc:AlternateContent>
-      <mc:AlternateContent xmlns:mc="http://schemas.openxmlformats.org/markup-compatibility/2006">
-        <mc:Choice xmlns:a14="http://schemas.microsoft.com/office/drawing/2010/main" Requires="a14">
+      <mc:AlternateContent xmlns:mc="http://schemas.openxmlformats.org/markup-compatibility/2006" xmlns:a14="http://schemas.microsoft.com/office/drawing/2010/main">
+        <mc:Choice Requires="a14">
           <p:sp>
             <p:nvSpPr>
               <p:cNvPr id="43" name="TextBox 42">
@@ -4167,7 +4097,7 @@
             </p:txBody>
           </p:sp>
         </mc:Choice>
-        <mc:Fallback>
+        <mc:Fallback xmlns="">
           <p:sp>
             <p:nvSpPr>
               <p:cNvPr id="43" name="TextBox 42">
@@ -4261,8 +4191,8 @@
           </a:fontRef>
         </p:style>
       </p:cxnSp>
-      <mc:AlternateContent xmlns:mc="http://schemas.openxmlformats.org/markup-compatibility/2006">
-        <mc:Choice xmlns:a14="http://schemas.microsoft.com/office/drawing/2010/main" Requires="a14">
+      <mc:AlternateContent xmlns:mc="http://schemas.openxmlformats.org/markup-compatibility/2006" xmlns:a14="http://schemas.microsoft.com/office/drawing/2010/main">
+        <mc:Choice Requires="a14">
           <p:sp>
             <p:nvSpPr>
               <p:cNvPr id="57" name="TextBox 56">
@@ -4343,7 +4273,7 @@
             </p:txBody>
           </p:sp>
         </mc:Choice>
-        <mc:Fallback>
+        <mc:Fallback xmlns="">
           <p:sp>
             <p:nvSpPr>
               <p:cNvPr id="57" name="TextBox 56">
@@ -4388,8 +4318,8 @@
           </p:sp>
         </mc:Fallback>
       </mc:AlternateContent>
-      <mc:AlternateContent xmlns:mc="http://schemas.openxmlformats.org/markup-compatibility/2006">
-        <mc:Choice xmlns:a14="http://schemas.microsoft.com/office/drawing/2010/main" Requires="a14">
+      <mc:AlternateContent xmlns:mc="http://schemas.openxmlformats.org/markup-compatibility/2006" xmlns:a14="http://schemas.microsoft.com/office/drawing/2010/main">
+        <mc:Choice Requires="a14">
           <p:sp>
             <p:nvSpPr>
               <p:cNvPr id="58" name="TextBox 57">
@@ -4470,7 +4400,7 @@
             </p:txBody>
           </p:sp>
         </mc:Choice>
-        <mc:Fallback>
+        <mc:Fallback xmlns="">
           <p:sp>
             <p:nvSpPr>
               <p:cNvPr id="58" name="TextBox 57">
@@ -4564,8 +4494,8 @@
           </a:fontRef>
         </p:style>
       </p:cxnSp>
-      <mc:AlternateContent xmlns:mc="http://schemas.openxmlformats.org/markup-compatibility/2006">
-        <mc:Choice xmlns:a14="http://schemas.microsoft.com/office/drawing/2010/main" Requires="a14">
+      <mc:AlternateContent xmlns:mc="http://schemas.openxmlformats.org/markup-compatibility/2006" xmlns:a14="http://schemas.microsoft.com/office/drawing/2010/main">
+        <mc:Choice Requires="a14">
           <p:sp>
             <p:nvSpPr>
               <p:cNvPr id="62" name="TextBox 61">
@@ -4686,7 +4616,7 @@
             </p:txBody>
           </p:sp>
         </mc:Choice>
-        <mc:Fallback>
+        <mc:Fallback xmlns="">
           <p:sp>
             <p:nvSpPr>
               <p:cNvPr id="62" name="TextBox 61">
